--- a/doc/coding.pptx
+++ b/doc/coding.pptx
@@ -7,9 +7,6 @@
   <p:sldIdLst>
     <p:sldId id="256" r:id="rId2"/>
     <p:sldId id="257" r:id="rId3"/>
-    <p:sldId id="258" r:id="rId4"/>
-    <p:sldId id="259" r:id="rId5"/>
-    <p:sldId id="260" r:id="rId6"/>
   </p:sldIdLst>
   <p:sldSz cx="12192000" cy="6858000"/>
   <p:notesSz cx="6858000" cy="9144000"/>
@@ -263,7 +260,7 @@
           <a:p>
             <a:fld id="{66FEE554-D9A8-4B1F-A6C6-0E2BCD1FC614}" type="datetimeFigureOut">
               <a:rPr lang="zh-CN" altLang="en-US" smtClean="0"/>
-              <a:t>2021/5/29</a:t>
+              <a:t>2021/5/31</a:t>
             </a:fld>
             <a:endParaRPr lang="zh-CN" altLang="en-US"/>
           </a:p>
@@ -461,7 +458,7 @@
           <a:p>
             <a:fld id="{66FEE554-D9A8-4B1F-A6C6-0E2BCD1FC614}" type="datetimeFigureOut">
               <a:rPr lang="zh-CN" altLang="en-US" smtClean="0"/>
-              <a:t>2021/5/29</a:t>
+              <a:t>2021/5/31</a:t>
             </a:fld>
             <a:endParaRPr lang="zh-CN" altLang="en-US"/>
           </a:p>
@@ -669,7 +666,7 @@
           <a:p>
             <a:fld id="{66FEE554-D9A8-4B1F-A6C6-0E2BCD1FC614}" type="datetimeFigureOut">
               <a:rPr lang="zh-CN" altLang="en-US" smtClean="0"/>
-              <a:t>2021/5/29</a:t>
+              <a:t>2021/5/31</a:t>
             </a:fld>
             <a:endParaRPr lang="zh-CN" altLang="en-US"/>
           </a:p>
@@ -867,7 +864,7 @@
           <a:p>
             <a:fld id="{66FEE554-D9A8-4B1F-A6C6-0E2BCD1FC614}" type="datetimeFigureOut">
               <a:rPr lang="zh-CN" altLang="en-US" smtClean="0"/>
-              <a:t>2021/5/29</a:t>
+              <a:t>2021/5/31</a:t>
             </a:fld>
             <a:endParaRPr lang="zh-CN" altLang="en-US"/>
           </a:p>
@@ -1142,7 +1139,7 @@
           <a:p>
             <a:fld id="{66FEE554-D9A8-4B1F-A6C6-0E2BCD1FC614}" type="datetimeFigureOut">
               <a:rPr lang="zh-CN" altLang="en-US" smtClean="0"/>
-              <a:t>2021/5/29</a:t>
+              <a:t>2021/5/31</a:t>
             </a:fld>
             <a:endParaRPr lang="zh-CN" altLang="en-US"/>
           </a:p>
@@ -1407,7 +1404,7 @@
           <a:p>
             <a:fld id="{66FEE554-D9A8-4B1F-A6C6-0E2BCD1FC614}" type="datetimeFigureOut">
               <a:rPr lang="zh-CN" altLang="en-US" smtClean="0"/>
-              <a:t>2021/5/29</a:t>
+              <a:t>2021/5/31</a:t>
             </a:fld>
             <a:endParaRPr lang="zh-CN" altLang="en-US"/>
           </a:p>
@@ -1819,7 +1816,7 @@
           <a:p>
             <a:fld id="{66FEE554-D9A8-4B1F-A6C6-0E2BCD1FC614}" type="datetimeFigureOut">
               <a:rPr lang="zh-CN" altLang="en-US" smtClean="0"/>
-              <a:t>2021/5/29</a:t>
+              <a:t>2021/5/31</a:t>
             </a:fld>
             <a:endParaRPr lang="zh-CN" altLang="en-US"/>
           </a:p>
@@ -1960,7 +1957,7 @@
           <a:p>
             <a:fld id="{66FEE554-D9A8-4B1F-A6C6-0E2BCD1FC614}" type="datetimeFigureOut">
               <a:rPr lang="zh-CN" altLang="en-US" smtClean="0"/>
-              <a:t>2021/5/29</a:t>
+              <a:t>2021/5/31</a:t>
             </a:fld>
             <a:endParaRPr lang="zh-CN" altLang="en-US"/>
           </a:p>
@@ -2073,7 +2070,7 @@
           <a:p>
             <a:fld id="{66FEE554-D9A8-4B1F-A6C6-0E2BCD1FC614}" type="datetimeFigureOut">
               <a:rPr lang="zh-CN" altLang="en-US" smtClean="0"/>
-              <a:t>2021/5/29</a:t>
+              <a:t>2021/5/31</a:t>
             </a:fld>
             <a:endParaRPr lang="zh-CN" altLang="en-US"/>
           </a:p>
@@ -2384,7 +2381,7 @@
           <a:p>
             <a:fld id="{66FEE554-D9A8-4B1F-A6C6-0E2BCD1FC614}" type="datetimeFigureOut">
               <a:rPr lang="zh-CN" altLang="en-US" smtClean="0"/>
-              <a:t>2021/5/29</a:t>
+              <a:t>2021/5/31</a:t>
             </a:fld>
             <a:endParaRPr lang="zh-CN" altLang="en-US"/>
           </a:p>
@@ -2672,7 +2669,7 @@
           <a:p>
             <a:fld id="{66FEE554-D9A8-4B1F-A6C6-0E2BCD1FC614}" type="datetimeFigureOut">
               <a:rPr lang="zh-CN" altLang="en-US" smtClean="0"/>
-              <a:t>2021/5/29</a:t>
+              <a:t>2021/5/31</a:t>
             </a:fld>
             <a:endParaRPr lang="zh-CN" altLang="en-US"/>
           </a:p>
@@ -2913,7 +2910,7 @@
           <a:p>
             <a:fld id="{66FEE554-D9A8-4B1F-A6C6-0E2BCD1FC614}" type="datetimeFigureOut">
               <a:rPr lang="zh-CN" altLang="en-US" smtClean="0"/>
-              <a:t>2021/5/29</a:t>
+              <a:t>2021/5/31</a:t>
             </a:fld>
             <a:endParaRPr lang="zh-CN" altLang="en-US"/>
           </a:p>
@@ -9603,196 +9600,6 @@
 </p:sld>
 </file>
 
-<file path=ppt/slides/slide3.xml><?xml version="1.0" encoding="utf-8"?>
-<p:sld xmlns:a="http://schemas.openxmlformats.org/drawingml/2006/main" xmlns:r="http://schemas.openxmlformats.org/officeDocument/2006/relationships" xmlns:p="http://schemas.openxmlformats.org/presentationml/2006/main">
-  <p:cSld>
-    <p:spTree>
-      <p:nvGrpSpPr>
-        <p:cNvPr id="1" name=""/>
-        <p:cNvGrpSpPr/>
-        <p:nvPr/>
-      </p:nvGrpSpPr>
-      <p:grpSpPr>
-        <a:xfrm>
-          <a:off x="0" y="0"/>
-          <a:ext cx="0" cy="0"/>
-          <a:chOff x="0" y="0"/>
-          <a:chExt cx="0" cy="0"/>
-        </a:xfrm>
-      </p:grpSpPr>
-      <p:sp>
-        <p:nvSpPr>
-          <p:cNvPr id="2" name="标题 1">
-            <a:extLst>
-              <a:ext uri="{FF2B5EF4-FFF2-40B4-BE49-F238E27FC236}">
-                <a16:creationId xmlns:a16="http://schemas.microsoft.com/office/drawing/2014/main" id="{3578C7F7-A6BA-4CD6-A1BC-2CF0C3F736C4}"/>
-              </a:ext>
-            </a:extLst>
-          </p:cNvPr>
-          <p:cNvSpPr>
-            <a:spLocks noGrp="1"/>
-          </p:cNvSpPr>
-          <p:nvPr>
-            <p:ph type="title"/>
-          </p:nvPr>
-        </p:nvSpPr>
-        <p:spPr/>
-        <p:txBody>
-          <a:bodyPr/>
-          <a:lstStyle/>
-          <a:p>
-            <a:endParaRPr lang="zh-CN" altLang="en-US"/>
-          </a:p>
-        </p:txBody>
-      </p:sp>
-      <p:sp>
-        <p:nvSpPr>
-          <p:cNvPr id="3" name="内容占位符 2">
-            <a:extLst>
-              <a:ext uri="{FF2B5EF4-FFF2-40B4-BE49-F238E27FC236}">
-                <a16:creationId xmlns:a16="http://schemas.microsoft.com/office/drawing/2014/main" id="{38B9CA40-1C06-45F6-A062-C7700146CF9E}"/>
-              </a:ext>
-            </a:extLst>
-          </p:cNvPr>
-          <p:cNvSpPr>
-            <a:spLocks noGrp="1"/>
-          </p:cNvSpPr>
-          <p:nvPr>
-            <p:ph idx="1"/>
-          </p:nvPr>
-        </p:nvSpPr>
-        <p:spPr/>
-        <p:txBody>
-          <a:bodyPr/>
-          <a:lstStyle/>
-          <a:p>
-            <a:endParaRPr lang="zh-CN" altLang="en-US"/>
-          </a:p>
-        </p:txBody>
-      </p:sp>
-    </p:spTree>
-    <p:extLst>
-      <p:ext uri="{BB962C8B-B14F-4D97-AF65-F5344CB8AC3E}">
-        <p14:creationId xmlns:p14="http://schemas.microsoft.com/office/powerpoint/2010/main" val="1106899853"/>
-      </p:ext>
-    </p:extLst>
-  </p:cSld>
-  <p:clrMapOvr>
-    <a:masterClrMapping/>
-  </p:clrMapOvr>
-</p:sld>
-</file>
-
-<file path=ppt/slides/slide4.xml><?xml version="1.0" encoding="utf-8"?>
-<p:sld xmlns:a="http://schemas.openxmlformats.org/drawingml/2006/main" xmlns:r="http://schemas.openxmlformats.org/officeDocument/2006/relationships" xmlns:p="http://schemas.openxmlformats.org/presentationml/2006/main">
-  <p:cSld>
-    <p:spTree>
-      <p:nvGrpSpPr>
-        <p:cNvPr id="1" name=""/>
-        <p:cNvGrpSpPr/>
-        <p:nvPr/>
-      </p:nvGrpSpPr>
-      <p:grpSpPr>
-        <a:xfrm>
-          <a:off x="0" y="0"/>
-          <a:ext cx="0" cy="0"/>
-          <a:chOff x="0" y="0"/>
-          <a:chExt cx="0" cy="0"/>
-        </a:xfrm>
-      </p:grpSpPr>
-      <p:sp>
-        <p:nvSpPr>
-          <p:cNvPr id="2" name="标题 1">
-            <a:extLst>
-              <a:ext uri="{FF2B5EF4-FFF2-40B4-BE49-F238E27FC236}">
-                <a16:creationId xmlns:a16="http://schemas.microsoft.com/office/drawing/2014/main" id="{6442E37E-55B6-4540-99F3-30A406DDB9B9}"/>
-              </a:ext>
-            </a:extLst>
-          </p:cNvPr>
-          <p:cNvSpPr>
-            <a:spLocks noGrp="1"/>
-          </p:cNvSpPr>
-          <p:nvPr>
-            <p:ph type="title"/>
-          </p:nvPr>
-        </p:nvSpPr>
-        <p:spPr/>
-        <p:txBody>
-          <a:bodyPr/>
-          <a:lstStyle/>
-          <a:p>
-            <a:endParaRPr lang="zh-CN" altLang="en-US"/>
-          </a:p>
-        </p:txBody>
-      </p:sp>
-      <p:sp>
-        <p:nvSpPr>
-          <p:cNvPr id="3" name="内容占位符 2">
-            <a:extLst>
-              <a:ext uri="{FF2B5EF4-FFF2-40B4-BE49-F238E27FC236}">
-                <a16:creationId xmlns:a16="http://schemas.microsoft.com/office/drawing/2014/main" id="{5849D44C-D31E-489C-A3AE-30FAC306ABD2}"/>
-              </a:ext>
-            </a:extLst>
-          </p:cNvPr>
-          <p:cNvSpPr>
-            <a:spLocks noGrp="1"/>
-          </p:cNvSpPr>
-          <p:nvPr>
-            <p:ph idx="1"/>
-          </p:nvPr>
-        </p:nvSpPr>
-        <p:spPr/>
-        <p:txBody>
-          <a:bodyPr/>
-          <a:lstStyle/>
-          <a:p>
-            <a:endParaRPr lang="zh-CN" altLang="en-US"/>
-          </a:p>
-        </p:txBody>
-      </p:sp>
-    </p:spTree>
-    <p:extLst>
-      <p:ext uri="{BB962C8B-B14F-4D97-AF65-F5344CB8AC3E}">
-        <p14:creationId xmlns:p14="http://schemas.microsoft.com/office/powerpoint/2010/main" val="2085199038"/>
-      </p:ext>
-    </p:extLst>
-  </p:cSld>
-  <p:clrMapOvr>
-    <a:masterClrMapping/>
-  </p:clrMapOvr>
-</p:sld>
-</file>
-
-<file path=ppt/slides/slide5.xml><?xml version="1.0" encoding="utf-8"?>
-<p:sld xmlns:a="http://schemas.openxmlformats.org/drawingml/2006/main" xmlns:r="http://schemas.openxmlformats.org/officeDocument/2006/relationships" xmlns:p="http://schemas.openxmlformats.org/presentationml/2006/main">
-  <p:cSld>
-    <p:spTree>
-      <p:nvGrpSpPr>
-        <p:cNvPr id="1" name=""/>
-        <p:cNvGrpSpPr/>
-        <p:nvPr/>
-      </p:nvGrpSpPr>
-      <p:grpSpPr>
-        <a:xfrm>
-          <a:off x="0" y="0"/>
-          <a:ext cx="0" cy="0"/>
-          <a:chOff x="0" y="0"/>
-          <a:chExt cx="0" cy="0"/>
-        </a:xfrm>
-      </p:grpSpPr>
-    </p:spTree>
-    <p:extLst>
-      <p:ext uri="{BB962C8B-B14F-4D97-AF65-F5344CB8AC3E}">
-        <p14:creationId xmlns:p14="http://schemas.microsoft.com/office/powerpoint/2010/main" val="2066285795"/>
-      </p:ext>
-    </p:extLst>
-  </p:cSld>
-  <p:clrMapOvr>
-    <a:masterClrMapping/>
-  </p:clrMapOvr>
-</p:sld>
-</file>
-
 <file path=ppt/theme/theme1.xml><?xml version="1.0" encoding="utf-8"?>
 <a:theme xmlns:a="http://schemas.openxmlformats.org/drawingml/2006/main" name="Office 主题​​">
   <a:themeElements>
